--- a/docs/diagrams/UndoRedoNewCommand1StateListDiagram.pptx
+++ b/docs/diagrams/UndoRedoNewCommand1StateListDiagram.pptx
@@ -112,10 +112,6 @@
 </p:presentation>
 </file>
 
-<file path=ppt/revisionInfo.xml><?xml version="1.0" encoding="utf-8"?>
-<p1510:revInfo xmlns:a="http://schemas.openxmlformats.org/drawingml/2006/main" xmlns:r="http://schemas.openxmlformats.org/officeDocument/2006/relationships" xmlns:p1510="http://schemas.microsoft.com/office/powerpoint/2015/10/main"/>
-</file>
-
 <file path=ppt/slideLayouts/slideLayout1.xml><?xml version="1.0" encoding="utf-8"?>
 <p:sldLayout xmlns:a="http://schemas.openxmlformats.org/drawingml/2006/main" xmlns:r="http://schemas.openxmlformats.org/officeDocument/2006/relationships" xmlns:p="http://schemas.openxmlformats.org/presentationml/2006/main" type="title" preserve="1">
   <p:cSld name="Title Slide">
@@ -265,7 +261,7 @@
           <a:p>
             <a:fld id="{03EC4E3E-8101-482F-A883-8B55DAFF7C07}" type="datetimeFigureOut">
               <a:rPr lang="en-SG" smtClean="0"/>
-              <a:t>6/7/2018</a:t>
+              <a:t>31/3/2019</a:t>
             </a:fld>
             <a:endParaRPr lang="en-SG"/>
           </a:p>
@@ -465,7 +461,7 @@
           <a:p>
             <a:fld id="{03EC4E3E-8101-482F-A883-8B55DAFF7C07}" type="datetimeFigureOut">
               <a:rPr lang="en-SG" smtClean="0"/>
-              <a:t>6/7/2018</a:t>
+              <a:t>31/3/2019</a:t>
             </a:fld>
             <a:endParaRPr lang="en-SG"/>
           </a:p>
@@ -675,7 +671,7 @@
           <a:p>
             <a:fld id="{03EC4E3E-8101-482F-A883-8B55DAFF7C07}" type="datetimeFigureOut">
               <a:rPr lang="en-SG" smtClean="0"/>
-              <a:t>6/7/2018</a:t>
+              <a:t>31/3/2019</a:t>
             </a:fld>
             <a:endParaRPr lang="en-SG"/>
           </a:p>
@@ -875,7 +871,7 @@
           <a:p>
             <a:fld id="{03EC4E3E-8101-482F-A883-8B55DAFF7C07}" type="datetimeFigureOut">
               <a:rPr lang="en-SG" smtClean="0"/>
-              <a:t>6/7/2018</a:t>
+              <a:t>31/3/2019</a:t>
             </a:fld>
             <a:endParaRPr lang="en-SG"/>
           </a:p>
@@ -1151,7 +1147,7 @@
           <a:p>
             <a:fld id="{03EC4E3E-8101-482F-A883-8B55DAFF7C07}" type="datetimeFigureOut">
               <a:rPr lang="en-SG" smtClean="0"/>
-              <a:t>6/7/2018</a:t>
+              <a:t>31/3/2019</a:t>
             </a:fld>
             <a:endParaRPr lang="en-SG"/>
           </a:p>
@@ -1419,7 +1415,7 @@
           <a:p>
             <a:fld id="{03EC4E3E-8101-482F-A883-8B55DAFF7C07}" type="datetimeFigureOut">
               <a:rPr lang="en-SG" smtClean="0"/>
-              <a:t>6/7/2018</a:t>
+              <a:t>31/3/2019</a:t>
             </a:fld>
             <a:endParaRPr lang="en-SG"/>
           </a:p>
@@ -1834,7 +1830,7 @@
           <a:p>
             <a:fld id="{03EC4E3E-8101-482F-A883-8B55DAFF7C07}" type="datetimeFigureOut">
               <a:rPr lang="en-SG" smtClean="0"/>
-              <a:t>6/7/2018</a:t>
+              <a:t>31/3/2019</a:t>
             </a:fld>
             <a:endParaRPr lang="en-SG"/>
           </a:p>
@@ -1976,7 +1972,7 @@
           <a:p>
             <a:fld id="{03EC4E3E-8101-482F-A883-8B55DAFF7C07}" type="datetimeFigureOut">
               <a:rPr lang="en-SG" smtClean="0"/>
-              <a:t>6/7/2018</a:t>
+              <a:t>31/3/2019</a:t>
             </a:fld>
             <a:endParaRPr lang="en-SG"/>
           </a:p>
@@ -2089,7 +2085,7 @@
           <a:p>
             <a:fld id="{03EC4E3E-8101-482F-A883-8B55DAFF7C07}" type="datetimeFigureOut">
               <a:rPr lang="en-SG" smtClean="0"/>
-              <a:t>6/7/2018</a:t>
+              <a:t>31/3/2019</a:t>
             </a:fld>
             <a:endParaRPr lang="en-SG"/>
           </a:p>
@@ -2402,7 +2398,7 @@
           <a:p>
             <a:fld id="{03EC4E3E-8101-482F-A883-8B55DAFF7C07}" type="datetimeFigureOut">
               <a:rPr lang="en-SG" smtClean="0"/>
-              <a:t>6/7/2018</a:t>
+              <a:t>31/3/2019</a:t>
             </a:fld>
             <a:endParaRPr lang="en-SG"/>
           </a:p>
@@ -2691,7 +2687,7 @@
           <a:p>
             <a:fld id="{03EC4E3E-8101-482F-A883-8B55DAFF7C07}" type="datetimeFigureOut">
               <a:rPr lang="en-SG" smtClean="0"/>
-              <a:t>6/7/2018</a:t>
+              <a:t>31/3/2019</a:t>
             </a:fld>
             <a:endParaRPr lang="en-SG"/>
           </a:p>
@@ -2934,7 +2930,7 @@
           <a:p>
             <a:fld id="{03EC4E3E-8101-482F-A883-8B55DAFF7C07}" type="datetimeFigureOut">
               <a:rPr lang="en-SG" smtClean="0"/>
-              <a:t>6/7/2018</a:t>
+              <a:t>31/3/2019</a:t>
             </a:fld>
             <a:endParaRPr lang="en-SG"/>
           </a:p>
@@ -3410,14 +3406,14 @@
           <p:nvPr>
             <p:extLst>
               <p:ext uri="{D42A27DB-BD31-4B8C-83A1-F6EECF244321}">
-                <p14:modId xmlns:p14="http://schemas.microsoft.com/office/powerpoint/2010/main" val="770650361"/>
+                <p14:modId xmlns:p14="http://schemas.microsoft.com/office/powerpoint/2010/main" val="3054941829"/>
               </p:ext>
             </p:extLst>
           </p:nvPr>
         </p:nvGraphicFramePr>
         <p:xfrm>
           <a:off x="473240" y="1476102"/>
-          <a:ext cx="1833356" cy="410363"/>
+          <a:ext cx="1975028" cy="410363"/>
         </p:xfrm>
         <a:graphic>
           <a:graphicData uri="http://schemas.openxmlformats.org/drawingml/2006/table">
@@ -3426,7 +3422,7 @@
                 <a:tableStyleId>{638B1855-1B75-4FBE-930C-398BA8C253C6}</a:tableStyleId>
               </a:tblPr>
               <a:tblGrid>
-                <a:gridCol w="1833356">
+                <a:gridCol w="1975028">
                   <a:extLst>
                     <a:ext uri="{9D8B030D-6E8A-4147-A177-3AD203B41FA5}">
                       <a16:colId xmlns:a16="http://schemas.microsoft.com/office/drawing/2014/main" val="4240773277"/>
@@ -3442,11 +3438,11 @@
                     <a:p>
                       <a:r>
                         <a:rPr lang="en-SG" u="sng" dirty="0"/>
-                        <a:t>ab0:</a:t>
+                        <a:t>pp0:</a:t>
                       </a:r>
                       <a:r>
                         <a:rPr lang="en-SG" sz="1800" u="sng" dirty="0"/>
-                        <a:t>AddressBook</a:t>
+                        <a:t>PocketProject</a:t>
                       </a:r>
                       <a:endParaRPr lang="en-SG" sz="1600" u="sng" dirty="0"/>
                     </a:p>
@@ -3471,8 +3467,8 @@
         </p:nvSpPr>
         <p:spPr>
           <a:xfrm>
-            <a:off x="4397701" y="2244365"/>
-            <a:ext cx="1672046" cy="1402081"/>
+            <a:off x="4397700" y="2244365"/>
+            <a:ext cx="2201865" cy="1402081"/>
           </a:xfrm>
           <a:prstGeom prst="downArrow">
             <a:avLst/>
@@ -3501,7 +3497,21 @@
             <a:pPr algn="ctr"/>
             <a:r>
               <a:rPr lang="en-SG" dirty="0"/>
-              <a:t>delete 5</a:t>
+              <a:t>Delete</a:t>
+            </a:r>
+          </a:p>
+          <a:p>
+            <a:pPr algn="ctr"/>
+            <a:r>
+              <a:rPr lang="en-SG" dirty="0"/>
+              <a:t>Employee</a:t>
+            </a:r>
+          </a:p>
+          <a:p>
+            <a:pPr algn="ctr"/>
+            <a:r>
+              <a:rPr lang="en-SG" dirty="0"/>
+              <a:t> 5</a:t>
             </a:r>
             <a:endParaRPr lang="en-US" dirty="0"/>
           </a:p>
@@ -3658,14 +3668,14 @@
           <p:nvPr>
             <p:extLst>
               <p:ext uri="{D42A27DB-BD31-4B8C-83A1-F6EECF244321}">
-                <p14:modId xmlns:p14="http://schemas.microsoft.com/office/powerpoint/2010/main" val="2370624015"/>
+                <p14:modId xmlns:p14="http://schemas.microsoft.com/office/powerpoint/2010/main" val="407029722"/>
               </p:ext>
             </p:extLst>
           </p:nvPr>
         </p:nvGraphicFramePr>
         <p:xfrm>
-          <a:off x="2448268" y="3926065"/>
-          <a:ext cx="1833356" cy="410363"/>
+          <a:off x="2534090" y="3926982"/>
+          <a:ext cx="1975017" cy="410363"/>
         </p:xfrm>
         <a:graphic>
           <a:graphicData uri="http://schemas.openxmlformats.org/drawingml/2006/table">
@@ -3674,7 +3684,7 @@
                 <a:tableStyleId>{638B1855-1B75-4FBE-930C-398BA8C253C6}</a:tableStyleId>
               </a:tblPr>
               <a:tblGrid>
-                <a:gridCol w="1833356">
+                <a:gridCol w="1975017">
                   <a:extLst>
                     <a:ext uri="{9D8B030D-6E8A-4147-A177-3AD203B41FA5}">
                       <a16:colId xmlns:a16="http://schemas.microsoft.com/office/drawing/2014/main" val="4240773277"/>
@@ -3690,11 +3700,11 @@
                     <a:p>
                       <a:r>
                         <a:rPr lang="en-SG" u="sng" dirty="0"/>
-                        <a:t>ab1:</a:t>
+                        <a:t>pp1:</a:t>
                       </a:r>
                       <a:r>
                         <a:rPr lang="en-SG" sz="1800" u="sng" dirty="0"/>
-                        <a:t>AddressBook</a:t>
+                        <a:t>PocketProject</a:t>
                       </a:r>
                       <a:endParaRPr lang="en-SG" sz="1600" u="sng" dirty="0"/>
                     </a:p>
@@ -3726,14 +3736,14 @@
           <p:nvPr>
             <p:extLst>
               <p:ext uri="{D42A27DB-BD31-4B8C-83A1-F6EECF244321}">
-                <p14:modId xmlns:p14="http://schemas.microsoft.com/office/powerpoint/2010/main" val="2523374166"/>
+                <p14:modId xmlns:p14="http://schemas.microsoft.com/office/powerpoint/2010/main" val="511732833"/>
               </p:ext>
             </p:extLst>
           </p:nvPr>
         </p:nvGraphicFramePr>
         <p:xfrm>
-          <a:off x="473240" y="3918002"/>
-          <a:ext cx="1833356" cy="410363"/>
+          <a:off x="473239" y="3918002"/>
+          <a:ext cx="1975017" cy="410363"/>
         </p:xfrm>
         <a:graphic>
           <a:graphicData uri="http://schemas.openxmlformats.org/drawingml/2006/table">
@@ -3742,7 +3752,7 @@
                 <a:tableStyleId>{638B1855-1B75-4FBE-930C-398BA8C253C6}</a:tableStyleId>
               </a:tblPr>
               <a:tblGrid>
-                <a:gridCol w="1833356">
+                <a:gridCol w="1975017">
                   <a:extLst>
                     <a:ext uri="{9D8B030D-6E8A-4147-A177-3AD203B41FA5}">
                       <a16:colId xmlns:a16="http://schemas.microsoft.com/office/drawing/2014/main" val="4240773277"/>
@@ -3758,11 +3768,11 @@
                     <a:p>
                       <a:r>
                         <a:rPr lang="en-SG" u="sng" dirty="0"/>
-                        <a:t>ab0:</a:t>
+                        <a:t>pp0:</a:t>
                       </a:r>
                       <a:r>
                         <a:rPr lang="en-SG" sz="1800" u="sng" dirty="0"/>
-                        <a:t>AddressBook</a:t>
+                        <a:t>PocketProject</a:t>
                       </a:r>
                       <a:endParaRPr lang="en-SG" sz="1600" u="sng" dirty="0"/>
                     </a:p>
